--- a/Unit 10/Unit 10 For Live Session.pptx
+++ b/Unit 10/Unit 10 For Live Session.pptx
@@ -108,6 +108,11 @@
       </a:defRPr>
     </a:lvl9pPr>
   </p:defaultTextStyle>
+  <p:extLst>
+    <p:ext uri="{EFAFB233-063F-42B5-8137-9DF3F51BA10A}">
+      <p15:sldGuideLst xmlns:p15="http://schemas.microsoft.com/office/powerpoint/2012/main"/>
+    </p:ext>
+  </p:extLst>
 </p:presentation>
 </file>
 
@@ -2168,23 +2173,29 @@
                   <a:t>Using the </a:t>
                 </a:r>
                 <a:r>
+                  <a:rPr lang="en-US" sz="2400" b="1" dirty="0" err="1">
+                    <a:solidFill>
+                      <a:srgbClr val="000000"/>
+                    </a:solidFill>
+                    <a:latin typeface="Arial"/>
+                  </a:rPr>
+                  <a:t>cars.csv</a:t>
+                </a:r>
+                <a:r>
                   <a:rPr lang="en-US" sz="2400" b="1" dirty="0">
                     <a:solidFill>
                       <a:srgbClr val="000000"/>
                     </a:solidFill>
                     <a:latin typeface="Arial"/>
                   </a:rPr>
-                  <a:t>mpg data set </a:t>
+                  <a:t> dataset,</a:t>
                 </a:r>
-                <a:r>
-                  <a:rPr lang="en-US" sz="2400" dirty="0">
-                    <a:solidFill>
-                      <a:srgbClr val="000000"/>
-                    </a:solidFill>
-                    <a:latin typeface="Arial"/>
-                  </a:rPr>
-                  <a:t>(the one in R). </a:t>
-                </a:r>
+                <a:endParaRPr lang="en-US" sz="2400" dirty="0">
+                  <a:solidFill>
+                    <a:srgbClr val="000000"/>
+                  </a:solidFill>
+                  <a:latin typeface="Arial"/>
+                </a:endParaRPr>
               </a:p>
               <a:p>
                 <a:pPr marL="914400" lvl="1" indent="-457200">
@@ -2512,13 +2523,22 @@
                   <a:t>2. Using the </a:t>
                 </a:r>
                 <a:r>
+                  <a:rPr lang="en-US" sz="2400" b="1" dirty="0" err="1">
+                    <a:solidFill>
+                      <a:srgbClr val="000000"/>
+                    </a:solidFill>
+                    <a:latin typeface="Arial"/>
+                  </a:rPr>
+                  <a:t>cars.csv</a:t>
+                </a:r>
+                <a:r>
                   <a:rPr lang="en-US" sz="2400" b="1" dirty="0">
                     <a:solidFill>
                       <a:srgbClr val="000000"/>
                     </a:solidFill>
                     <a:latin typeface="Arial"/>
                   </a:rPr>
-                  <a:t>mpg data set </a:t>
+                  <a:t>, c</a:t>
                 </a:r>
                 <a:r>
                   <a:rPr lang="en-US" sz="2400" dirty="0">
@@ -2527,7 +2547,7 @@
                     </a:solidFill>
                     <a:latin typeface="Arial"/>
                   </a:rPr>
-                  <a:t>(the one in R). Conduct an internal n-fold (leave one out) cross validation of the following SLR models:</a:t>
+                  <a:t>onduct an internal n-fold (leave one out) cross validation of the following SLR models:</a:t>
                 </a:r>
               </a:p>
               <a:p>
@@ -3005,7 +3025,7 @@
               <a:blipFill>
                 <a:blip r:embed="rId2"/>
                 <a:stretch>
-                  <a:fillRect l="-926" t="-1415" r="-694" b="-2830"/>
+                  <a:fillRect l="-926" t="-1415" b="-2830"/>
                 </a:stretch>
               </a:blipFill>
             </p:spPr>
